--- a/assets/Main.pptx
+++ b/assets/Main.pptx
@@ -247,7 +247,7 @@
           <a:p>
             <a:fld id="{5DD90383-CB73-493F-ACB2-5C2706DF142F}" type="datetimeFigureOut">
               <a:rPr lang="en-US" smtClean="0"/>
-              <a:t>4/17/2022</a:t>
+              <a:t>5/7/2022</a:t>
             </a:fld>
             <a:endParaRPr lang="en-US"/>
           </a:p>
@@ -417,7 +417,7 @@
           <a:p>
             <a:fld id="{5DD90383-CB73-493F-ACB2-5C2706DF142F}" type="datetimeFigureOut">
               <a:rPr lang="en-US" smtClean="0"/>
-              <a:t>4/17/2022</a:t>
+              <a:t>5/7/2022</a:t>
             </a:fld>
             <a:endParaRPr lang="en-US"/>
           </a:p>
@@ -597,7 +597,7 @@
           <a:p>
             <a:fld id="{5DD90383-CB73-493F-ACB2-5C2706DF142F}" type="datetimeFigureOut">
               <a:rPr lang="en-US" smtClean="0"/>
-              <a:t>4/17/2022</a:t>
+              <a:t>5/7/2022</a:t>
             </a:fld>
             <a:endParaRPr lang="en-US"/>
           </a:p>
@@ -767,7 +767,7 @@
           <a:p>
             <a:fld id="{5DD90383-CB73-493F-ACB2-5C2706DF142F}" type="datetimeFigureOut">
               <a:rPr lang="en-US" smtClean="0"/>
-              <a:t>4/17/2022</a:t>
+              <a:t>5/7/2022</a:t>
             </a:fld>
             <a:endParaRPr lang="en-US"/>
           </a:p>
@@ -1013,7 +1013,7 @@
           <a:p>
             <a:fld id="{5DD90383-CB73-493F-ACB2-5C2706DF142F}" type="datetimeFigureOut">
               <a:rPr lang="en-US" smtClean="0"/>
-              <a:t>4/17/2022</a:t>
+              <a:t>5/7/2022</a:t>
             </a:fld>
             <a:endParaRPr lang="en-US"/>
           </a:p>
@@ -1245,7 +1245,7 @@
           <a:p>
             <a:fld id="{5DD90383-CB73-493F-ACB2-5C2706DF142F}" type="datetimeFigureOut">
               <a:rPr lang="en-US" smtClean="0"/>
-              <a:t>4/17/2022</a:t>
+              <a:t>5/7/2022</a:t>
             </a:fld>
             <a:endParaRPr lang="en-US"/>
           </a:p>
@@ -1612,7 +1612,7 @@
           <a:p>
             <a:fld id="{5DD90383-CB73-493F-ACB2-5C2706DF142F}" type="datetimeFigureOut">
               <a:rPr lang="en-US" smtClean="0"/>
-              <a:t>4/17/2022</a:t>
+              <a:t>5/7/2022</a:t>
             </a:fld>
             <a:endParaRPr lang="en-US"/>
           </a:p>
@@ -1730,7 +1730,7 @@
           <a:p>
             <a:fld id="{5DD90383-CB73-493F-ACB2-5C2706DF142F}" type="datetimeFigureOut">
               <a:rPr lang="en-US" smtClean="0"/>
-              <a:t>4/17/2022</a:t>
+              <a:t>5/7/2022</a:t>
             </a:fld>
             <a:endParaRPr lang="en-US"/>
           </a:p>
@@ -1825,7 +1825,7 @@
           <a:p>
             <a:fld id="{5DD90383-CB73-493F-ACB2-5C2706DF142F}" type="datetimeFigureOut">
               <a:rPr lang="en-US" smtClean="0"/>
-              <a:t>4/17/2022</a:t>
+              <a:t>5/7/2022</a:t>
             </a:fld>
             <a:endParaRPr lang="en-US"/>
           </a:p>
@@ -2102,7 +2102,7 @@
           <a:p>
             <a:fld id="{5DD90383-CB73-493F-ACB2-5C2706DF142F}" type="datetimeFigureOut">
               <a:rPr lang="en-US" smtClean="0"/>
-              <a:t>4/17/2022</a:t>
+              <a:t>5/7/2022</a:t>
             </a:fld>
             <a:endParaRPr lang="en-US"/>
           </a:p>
@@ -2355,7 +2355,7 @@
           <a:p>
             <a:fld id="{5DD90383-CB73-493F-ACB2-5C2706DF142F}" type="datetimeFigureOut">
               <a:rPr lang="en-US" smtClean="0"/>
-              <a:t>4/17/2022</a:t>
+              <a:t>5/7/2022</a:t>
             </a:fld>
             <a:endParaRPr lang="en-US"/>
           </a:p>
@@ -2568,7 +2568,7 @@
           <a:p>
             <a:fld id="{5DD90383-CB73-493F-ACB2-5C2706DF142F}" type="datetimeFigureOut">
               <a:rPr lang="en-US" smtClean="0"/>
-              <a:t>4/17/2022</a:t>
+              <a:t>5/7/2022</a:t>
             </a:fld>
             <a:endParaRPr lang="en-US"/>
           </a:p>
@@ -3747,6 +3747,9 @@
               <a:lumOff val="5000"/>
             </a:schemeClr>
           </a:solidFill>
+          <a:ln>
+            <a:noFill/>
+          </a:ln>
         </p:spPr>
         <p:style>
           <a:lnRef idx="2">
@@ -5015,105 +5018,6 @@
           </a:p>
         </p:txBody>
       </p:sp>
-      <p:grpSp>
-        <p:nvGrpSpPr>
-          <p:cNvPr id="4" name="Group 3"/>
-          <p:cNvGrpSpPr/>
-          <p:nvPr/>
-        </p:nvGrpSpPr>
-        <p:grpSpPr>
-          <a:xfrm>
-            <a:off x="2263133" y="122465"/>
-            <a:ext cx="2666461" cy="2747213"/>
-            <a:chOff x="5235388" y="2565477"/>
-            <a:chExt cx="2666461" cy="2747213"/>
-          </a:xfrm>
-        </p:grpSpPr>
-        <p:pic>
-          <p:nvPicPr>
-            <p:cNvPr id="3" name="Picture 2"/>
-            <p:cNvPicPr>
-              <a:picLocks noChangeAspect="1"/>
-            </p:cNvPicPr>
-            <p:nvPr/>
-          </p:nvPicPr>
-          <p:blipFill>
-            <a:blip r:embed="rId2"/>
-            <a:stretch>
-              <a:fillRect/>
-            </a:stretch>
-          </p:blipFill>
-          <p:spPr>
-            <a:xfrm>
-              <a:off x="5721407" y="3015747"/>
-              <a:ext cx="1712855" cy="1889627"/>
-            </a:xfrm>
-            <a:prstGeom prst="rect">
-              <a:avLst/>
-            </a:prstGeom>
-          </p:spPr>
-        </p:pic>
-        <p:sp>
-          <p:nvSpPr>
-            <p:cNvPr id="27" name="Donut 26"/>
-            <p:cNvSpPr/>
-            <p:nvPr/>
-          </p:nvSpPr>
-          <p:spPr>
-            <a:xfrm>
-              <a:off x="5235388" y="2565477"/>
-              <a:ext cx="2666461" cy="2747213"/>
-            </a:xfrm>
-            <a:prstGeom prst="donut">
-              <a:avLst>
-                <a:gd name="adj" fmla="val 20216"/>
-              </a:avLst>
-            </a:prstGeom>
-            <a:solidFill>
-              <a:schemeClr val="accent4">
-                <a:lumMod val="60000"/>
-                <a:lumOff val="40000"/>
-              </a:schemeClr>
-            </a:solidFill>
-            <a:ln>
-              <a:solidFill>
-                <a:schemeClr val="accent4">
-                  <a:lumMod val="60000"/>
-                  <a:lumOff val="40000"/>
-                </a:schemeClr>
-              </a:solidFill>
-            </a:ln>
-          </p:spPr>
-          <p:style>
-            <a:lnRef idx="2">
-              <a:schemeClr val="accent1">
-                <a:shade val="50000"/>
-              </a:schemeClr>
-            </a:lnRef>
-            <a:fillRef idx="1">
-              <a:schemeClr val="accent1"/>
-            </a:fillRef>
-            <a:effectRef idx="0">
-              <a:schemeClr val="accent1"/>
-            </a:effectRef>
-            <a:fontRef idx="minor">
-              <a:schemeClr val="lt1"/>
-            </a:fontRef>
-          </p:style>
-          <p:txBody>
-            <a:bodyPr rtlCol="0" anchor="ctr"/>
-            <a:lstStyle/>
-            <a:p>
-              <a:pPr algn="ctr"/>
-              <a:endParaRPr lang="en-US">
-                <a:solidFill>
-                  <a:schemeClr val="tx1"/>
-                </a:solidFill>
-              </a:endParaRPr>
-            </a:p>
-          </p:txBody>
-        </p:sp>
-      </p:grpSp>
     </p:spTree>
     <p:extLst>
       <p:ext uri="{BB962C8B-B14F-4D97-AF65-F5344CB8AC3E}">
